--- a/aa.pptx
+++ b/aa.pptx
@@ -4,8 +4,17 @@
   <p:sldMasterIdLst>
     <p:sldMasterId id="2147483648" r:id="rId1"/>
   </p:sldMasterIdLst>
+  <p:notesMasterIdLst>
+    <p:notesMasterId r:id="rId9"/>
+  </p:notesMasterIdLst>
   <p:sldIdLst>
     <p:sldId id="256" r:id="rId2"/>
+    <p:sldId id="262" r:id="rId3"/>
+    <p:sldId id="263" r:id="rId4"/>
+    <p:sldId id="264" r:id="rId5"/>
+    <p:sldId id="259" r:id="rId6"/>
+    <p:sldId id="261" r:id="rId7"/>
+    <p:sldId id="260" r:id="rId8"/>
   </p:sldIdLst>
   <p:sldSz cx="9144000" cy="6858000" type="screen4x3"/>
   <p:notesSz cx="6858000" cy="9144000"/>
@@ -105,6 +114,893 @@
     </a:lvl9pPr>
   </p:defaultTextStyle>
 </p:presentation>
+</file>
+
+<file path=ppt/notesMasters/notesMaster1.xml><?xml version="1.0" encoding="utf-8"?>
+<p:notesMaster xmlns:a="http://schemas.openxmlformats.org/drawingml/2006/main" xmlns:r="http://schemas.openxmlformats.org/officeDocument/2006/relationships" xmlns:p="http://schemas.openxmlformats.org/presentationml/2006/main">
+  <p:cSld>
+    <p:bg>
+      <p:bgRef idx="1001">
+        <a:schemeClr val="bg1"/>
+      </p:bgRef>
+    </p:bg>
+    <p:spTree>
+      <p:nvGrpSpPr>
+        <p:cNvPr id="1" name=""/>
+        <p:cNvGrpSpPr/>
+        <p:nvPr/>
+      </p:nvGrpSpPr>
+      <p:grpSpPr>
+        <a:xfrm>
+          <a:off x="0" y="0"/>
+          <a:ext cx="0" cy="0"/>
+          <a:chOff x="0" y="0"/>
+          <a:chExt cx="0" cy="0"/>
+        </a:xfrm>
+      </p:grpSpPr>
+      <p:sp>
+        <p:nvSpPr>
+          <p:cNvPr id="2" name="页眉占位符 1"/>
+          <p:cNvSpPr>
+            <a:spLocks noGrp="1"/>
+          </p:cNvSpPr>
+          <p:nvPr>
+            <p:ph type="hdr" sz="quarter"/>
+          </p:nvPr>
+        </p:nvSpPr>
+        <p:spPr>
+          <a:xfrm>
+            <a:off x="0" y="0"/>
+            <a:ext cx="2971800" cy="457200"/>
+          </a:xfrm>
+          <a:prstGeom prst="rect">
+            <a:avLst/>
+          </a:prstGeom>
+        </p:spPr>
+        <p:txBody>
+          <a:bodyPr vert="horz" lIns="91440" tIns="45720" rIns="91440" bIns="45720" rtlCol="0"/>
+          <a:lstStyle>
+            <a:lvl1pPr algn="l">
+              <a:defRPr sz="1200"/>
+            </a:lvl1pPr>
+          </a:lstStyle>
+          <a:p>
+            <a:endParaRPr kumimoji="1" lang="zh-CN" altLang="en-US"/>
+          </a:p>
+        </p:txBody>
+      </p:sp>
+      <p:sp>
+        <p:nvSpPr>
+          <p:cNvPr id="3" name="日期占位符 2"/>
+          <p:cNvSpPr>
+            <a:spLocks noGrp="1"/>
+          </p:cNvSpPr>
+          <p:nvPr>
+            <p:ph type="dt" idx="1"/>
+          </p:nvPr>
+        </p:nvSpPr>
+        <p:spPr>
+          <a:xfrm>
+            <a:off x="3884613" y="0"/>
+            <a:ext cx="2971800" cy="457200"/>
+          </a:xfrm>
+          <a:prstGeom prst="rect">
+            <a:avLst/>
+          </a:prstGeom>
+        </p:spPr>
+        <p:txBody>
+          <a:bodyPr vert="horz" lIns="91440" tIns="45720" rIns="91440" bIns="45720" rtlCol="0"/>
+          <a:lstStyle>
+            <a:lvl1pPr algn="r">
+              <a:defRPr sz="1200"/>
+            </a:lvl1pPr>
+          </a:lstStyle>
+          <a:p>
+            <a:fld id="{73C8E123-6773-BC45-8A3F-9E07C5B20242}" type="datetimeFigureOut">
+              <a:rPr kumimoji="1" lang="zh-CN" altLang="en-US" smtClean="0"/>
+              <a:t>17-06-24</a:t>
+            </a:fld>
+            <a:endParaRPr kumimoji="1" lang="zh-CN" altLang="en-US"/>
+          </a:p>
+        </p:txBody>
+      </p:sp>
+      <p:sp>
+        <p:nvSpPr>
+          <p:cNvPr id="4" name="幻灯片图像占位符 3"/>
+          <p:cNvSpPr>
+            <a:spLocks noGrp="1" noRot="1" noChangeAspect="1"/>
+          </p:cNvSpPr>
+          <p:nvPr>
+            <p:ph type="sldImg" idx="2"/>
+          </p:nvPr>
+        </p:nvSpPr>
+        <p:spPr>
+          <a:xfrm>
+            <a:off x="1143000" y="685800"/>
+            <a:ext cx="4572000" cy="3429000"/>
+          </a:xfrm>
+          <a:prstGeom prst="rect">
+            <a:avLst/>
+          </a:prstGeom>
+          <a:noFill/>
+          <a:ln w="12700">
+            <a:solidFill>
+              <a:prstClr val="black"/>
+            </a:solidFill>
+          </a:ln>
+        </p:spPr>
+        <p:txBody>
+          <a:bodyPr vert="horz" lIns="91440" tIns="45720" rIns="91440" bIns="45720" rtlCol="0" anchor="ctr"/>
+          <a:lstStyle/>
+          <a:p>
+            <a:endParaRPr lang="zh-CN" altLang="en-US"/>
+          </a:p>
+        </p:txBody>
+      </p:sp>
+      <p:sp>
+        <p:nvSpPr>
+          <p:cNvPr id="5" name="备注占位符 4"/>
+          <p:cNvSpPr>
+            <a:spLocks noGrp="1"/>
+          </p:cNvSpPr>
+          <p:nvPr>
+            <p:ph type="body" sz="quarter" idx="3"/>
+          </p:nvPr>
+        </p:nvSpPr>
+        <p:spPr>
+          <a:xfrm>
+            <a:off x="685800" y="4343400"/>
+            <a:ext cx="5486400" cy="4114800"/>
+          </a:xfrm>
+          <a:prstGeom prst="rect">
+            <a:avLst/>
+          </a:prstGeom>
+        </p:spPr>
+        <p:txBody>
+          <a:bodyPr vert="horz" lIns="91440" tIns="45720" rIns="91440" bIns="45720" rtlCol="0"/>
+          <a:lstStyle/>
+          <a:p>
+            <a:pPr lvl="0"/>
+            <a:r>
+              <a:rPr kumimoji="1" lang="zh-CN" altLang="en-US" smtClean="0"/>
+              <a:t>单击此处编辑母版文本样式</a:t>
+            </a:r>
+          </a:p>
+          <a:p>
+            <a:pPr lvl="1"/>
+            <a:r>
+              <a:rPr kumimoji="1" lang="zh-CN" altLang="en-US" smtClean="0"/>
+              <a:t>二级</a:t>
+            </a:r>
+          </a:p>
+          <a:p>
+            <a:pPr lvl="2"/>
+            <a:r>
+              <a:rPr kumimoji="1" lang="zh-CN" altLang="en-US" smtClean="0"/>
+              <a:t>三级</a:t>
+            </a:r>
+          </a:p>
+          <a:p>
+            <a:pPr lvl="3"/>
+            <a:r>
+              <a:rPr kumimoji="1" lang="zh-CN" altLang="en-US" smtClean="0"/>
+              <a:t>四级</a:t>
+            </a:r>
+          </a:p>
+          <a:p>
+            <a:pPr lvl="4"/>
+            <a:r>
+              <a:rPr kumimoji="1" lang="zh-CN" altLang="en-US" smtClean="0"/>
+              <a:t>五级</a:t>
+            </a:r>
+            <a:endParaRPr kumimoji="1" lang="zh-CN" altLang="en-US"/>
+          </a:p>
+        </p:txBody>
+      </p:sp>
+      <p:sp>
+        <p:nvSpPr>
+          <p:cNvPr id="6" name="页脚占位符 5"/>
+          <p:cNvSpPr>
+            <a:spLocks noGrp="1"/>
+          </p:cNvSpPr>
+          <p:nvPr>
+            <p:ph type="ftr" sz="quarter" idx="4"/>
+          </p:nvPr>
+        </p:nvSpPr>
+        <p:spPr>
+          <a:xfrm>
+            <a:off x="0" y="8685213"/>
+            <a:ext cx="2971800" cy="457200"/>
+          </a:xfrm>
+          <a:prstGeom prst="rect">
+            <a:avLst/>
+          </a:prstGeom>
+        </p:spPr>
+        <p:txBody>
+          <a:bodyPr vert="horz" lIns="91440" tIns="45720" rIns="91440" bIns="45720" rtlCol="0" anchor="b"/>
+          <a:lstStyle>
+            <a:lvl1pPr algn="l">
+              <a:defRPr sz="1200"/>
+            </a:lvl1pPr>
+          </a:lstStyle>
+          <a:p>
+            <a:endParaRPr kumimoji="1" lang="zh-CN" altLang="en-US"/>
+          </a:p>
+        </p:txBody>
+      </p:sp>
+      <p:sp>
+        <p:nvSpPr>
+          <p:cNvPr id="7" name="幻灯片编号占位符 6"/>
+          <p:cNvSpPr>
+            <a:spLocks noGrp="1"/>
+          </p:cNvSpPr>
+          <p:nvPr>
+            <p:ph type="sldNum" sz="quarter" idx="5"/>
+          </p:nvPr>
+        </p:nvSpPr>
+        <p:spPr>
+          <a:xfrm>
+            <a:off x="3884613" y="8685213"/>
+            <a:ext cx="2971800" cy="457200"/>
+          </a:xfrm>
+          <a:prstGeom prst="rect">
+            <a:avLst/>
+          </a:prstGeom>
+        </p:spPr>
+        <p:txBody>
+          <a:bodyPr vert="horz" lIns="91440" tIns="45720" rIns="91440" bIns="45720" rtlCol="0" anchor="b"/>
+          <a:lstStyle>
+            <a:lvl1pPr algn="r">
+              <a:defRPr sz="1200"/>
+            </a:lvl1pPr>
+          </a:lstStyle>
+          <a:p>
+            <a:fld id="{5FFD8256-8E26-6242-8ADF-B62733FD4742}" type="slidenum">
+              <a:rPr kumimoji="1" lang="zh-CN" altLang="en-US" smtClean="0"/>
+              <a:t>‹#›</a:t>
+            </a:fld>
+            <a:endParaRPr kumimoji="1" lang="zh-CN" altLang="en-US"/>
+          </a:p>
+        </p:txBody>
+      </p:sp>
+    </p:spTree>
+    <p:extLst>
+      <p:ext uri="{BB962C8B-B14F-4D97-AF65-F5344CB8AC3E}">
+        <p14:creationId xmlns:p14="http://schemas.microsoft.com/office/powerpoint/2010/main" val="3498992420"/>
+      </p:ext>
+    </p:extLst>
+  </p:cSld>
+  <p:clrMap bg1="lt1" tx1="dk1" bg2="lt2" tx2="dk2" accent1="accent1" accent2="accent2" accent3="accent3" accent4="accent4" accent5="accent5" accent6="accent6" hlink="hlink" folHlink="folHlink"/>
+  <p:notesStyle>
+    <a:lvl1pPr marL="0" algn="l" defTabSz="457200" rtl="0" eaLnBrk="1" latinLnBrk="0" hangingPunct="1">
+      <a:defRPr sz="1200" kern="1200">
+        <a:solidFill>
+          <a:schemeClr val="tx1"/>
+        </a:solidFill>
+        <a:latin typeface="+mn-lt"/>
+        <a:ea typeface="+mn-ea"/>
+        <a:cs typeface="+mn-cs"/>
+      </a:defRPr>
+    </a:lvl1pPr>
+    <a:lvl2pPr marL="457200" algn="l" defTabSz="457200" rtl="0" eaLnBrk="1" latinLnBrk="0" hangingPunct="1">
+      <a:defRPr sz="1200" kern="1200">
+        <a:solidFill>
+          <a:schemeClr val="tx1"/>
+        </a:solidFill>
+        <a:latin typeface="+mn-lt"/>
+        <a:ea typeface="+mn-ea"/>
+        <a:cs typeface="+mn-cs"/>
+      </a:defRPr>
+    </a:lvl2pPr>
+    <a:lvl3pPr marL="914400" algn="l" defTabSz="457200" rtl="0" eaLnBrk="1" latinLnBrk="0" hangingPunct="1">
+      <a:defRPr sz="1200" kern="1200">
+        <a:solidFill>
+          <a:schemeClr val="tx1"/>
+        </a:solidFill>
+        <a:latin typeface="+mn-lt"/>
+        <a:ea typeface="+mn-ea"/>
+        <a:cs typeface="+mn-cs"/>
+      </a:defRPr>
+    </a:lvl3pPr>
+    <a:lvl4pPr marL="1371600" algn="l" defTabSz="457200" rtl="0" eaLnBrk="1" latinLnBrk="0" hangingPunct="1">
+      <a:defRPr sz="1200" kern="1200">
+        <a:solidFill>
+          <a:schemeClr val="tx1"/>
+        </a:solidFill>
+        <a:latin typeface="+mn-lt"/>
+        <a:ea typeface="+mn-ea"/>
+        <a:cs typeface="+mn-cs"/>
+      </a:defRPr>
+    </a:lvl4pPr>
+    <a:lvl5pPr marL="1828800" algn="l" defTabSz="457200" rtl="0" eaLnBrk="1" latinLnBrk="0" hangingPunct="1">
+      <a:defRPr sz="1200" kern="1200">
+        <a:solidFill>
+          <a:schemeClr val="tx1"/>
+        </a:solidFill>
+        <a:latin typeface="+mn-lt"/>
+        <a:ea typeface="+mn-ea"/>
+        <a:cs typeface="+mn-cs"/>
+      </a:defRPr>
+    </a:lvl5pPr>
+    <a:lvl6pPr marL="2286000" algn="l" defTabSz="457200" rtl="0" eaLnBrk="1" latinLnBrk="0" hangingPunct="1">
+      <a:defRPr sz="1200" kern="1200">
+        <a:solidFill>
+          <a:schemeClr val="tx1"/>
+        </a:solidFill>
+        <a:latin typeface="+mn-lt"/>
+        <a:ea typeface="+mn-ea"/>
+        <a:cs typeface="+mn-cs"/>
+      </a:defRPr>
+    </a:lvl6pPr>
+    <a:lvl7pPr marL="2743200" algn="l" defTabSz="457200" rtl="0" eaLnBrk="1" latinLnBrk="0" hangingPunct="1">
+      <a:defRPr sz="1200" kern="1200">
+        <a:solidFill>
+          <a:schemeClr val="tx1"/>
+        </a:solidFill>
+        <a:latin typeface="+mn-lt"/>
+        <a:ea typeface="+mn-ea"/>
+        <a:cs typeface="+mn-cs"/>
+      </a:defRPr>
+    </a:lvl7pPr>
+    <a:lvl8pPr marL="3200400" algn="l" defTabSz="457200" rtl="0" eaLnBrk="1" latinLnBrk="0" hangingPunct="1">
+      <a:defRPr sz="1200" kern="1200">
+        <a:solidFill>
+          <a:schemeClr val="tx1"/>
+        </a:solidFill>
+        <a:latin typeface="+mn-lt"/>
+        <a:ea typeface="+mn-ea"/>
+        <a:cs typeface="+mn-cs"/>
+      </a:defRPr>
+    </a:lvl8pPr>
+    <a:lvl9pPr marL="3657600" algn="l" defTabSz="457200" rtl="0" eaLnBrk="1" latinLnBrk="0" hangingPunct="1">
+      <a:defRPr sz="1200" kern="1200">
+        <a:solidFill>
+          <a:schemeClr val="tx1"/>
+        </a:solidFill>
+        <a:latin typeface="+mn-lt"/>
+        <a:ea typeface="+mn-ea"/>
+        <a:cs typeface="+mn-cs"/>
+      </a:defRPr>
+    </a:lvl9pPr>
+  </p:notesStyle>
+</p:notesMaster>
+</file>
+
+<file path=ppt/notesSlides/notesSlide1.xml><?xml version="1.0" encoding="utf-8"?>
+<p:notes xmlns:a="http://schemas.openxmlformats.org/drawingml/2006/main" xmlns:r="http://schemas.openxmlformats.org/officeDocument/2006/relationships" xmlns:p="http://schemas.openxmlformats.org/presentationml/2006/main">
+  <p:cSld>
+    <p:spTree>
+      <p:nvGrpSpPr>
+        <p:cNvPr id="1" name=""/>
+        <p:cNvGrpSpPr/>
+        <p:nvPr/>
+      </p:nvGrpSpPr>
+      <p:grpSpPr>
+        <a:xfrm>
+          <a:off x="0" y="0"/>
+          <a:ext cx="0" cy="0"/>
+          <a:chOff x="0" y="0"/>
+          <a:chExt cx="0" cy="0"/>
+        </a:xfrm>
+      </p:grpSpPr>
+      <p:sp>
+        <p:nvSpPr>
+          <p:cNvPr id="2" name="幻灯片图像占位符 1"/>
+          <p:cNvSpPr>
+            <a:spLocks noGrp="1" noRot="1" noChangeAspect="1"/>
+          </p:cNvSpPr>
+          <p:nvPr>
+            <p:ph type="sldImg"/>
+          </p:nvPr>
+        </p:nvSpPr>
+        <p:spPr/>
+      </p:sp>
+      <p:sp>
+        <p:nvSpPr>
+          <p:cNvPr id="3" name="备注占位符 2"/>
+          <p:cNvSpPr>
+            <a:spLocks noGrp="1"/>
+          </p:cNvSpPr>
+          <p:nvPr>
+            <p:ph type="body" idx="1"/>
+          </p:nvPr>
+        </p:nvSpPr>
+        <p:spPr/>
+        <p:txBody>
+          <a:bodyPr/>
+          <a:lstStyle/>
+          <a:p>
+            <a:r>
+              <a:rPr kumimoji="1" lang="en-US" altLang="zh-CN" dirty="0" smtClean="0"/>
+              <a:t>20s</a:t>
+            </a:r>
+            <a:endParaRPr kumimoji="1" lang="zh-CN" altLang="en-US" dirty="0"/>
+          </a:p>
+        </p:txBody>
+      </p:sp>
+      <p:sp>
+        <p:nvSpPr>
+          <p:cNvPr id="4" name="幻灯片编号占位符 3"/>
+          <p:cNvSpPr>
+            <a:spLocks noGrp="1"/>
+          </p:cNvSpPr>
+          <p:nvPr>
+            <p:ph type="sldNum" sz="quarter" idx="10"/>
+          </p:nvPr>
+        </p:nvSpPr>
+        <p:spPr/>
+        <p:txBody>
+          <a:bodyPr/>
+          <a:lstStyle/>
+          <a:p>
+            <a:fld id="{5FFD8256-8E26-6242-8ADF-B62733FD4742}" type="slidenum">
+              <a:rPr kumimoji="1" lang="zh-CN" altLang="en-US" smtClean="0"/>
+              <a:t>1</a:t>
+            </a:fld>
+            <a:endParaRPr kumimoji="1" lang="zh-CN" altLang="en-US"/>
+          </a:p>
+        </p:txBody>
+      </p:sp>
+    </p:spTree>
+    <p:extLst>
+      <p:ext uri="{BB962C8B-B14F-4D97-AF65-F5344CB8AC3E}">
+        <p14:creationId xmlns:p14="http://schemas.microsoft.com/office/powerpoint/2010/main" val="2896865193"/>
+      </p:ext>
+    </p:extLst>
+  </p:cSld>
+  <p:clrMapOvr>
+    <a:masterClrMapping/>
+  </p:clrMapOvr>
+</p:notes>
+</file>
+
+<file path=ppt/notesSlides/notesSlide2.xml><?xml version="1.0" encoding="utf-8"?>
+<p:notes xmlns:a="http://schemas.openxmlformats.org/drawingml/2006/main" xmlns:r="http://schemas.openxmlformats.org/officeDocument/2006/relationships" xmlns:p="http://schemas.openxmlformats.org/presentationml/2006/main">
+  <p:cSld>
+    <p:spTree>
+      <p:nvGrpSpPr>
+        <p:cNvPr id="1" name=""/>
+        <p:cNvGrpSpPr/>
+        <p:nvPr/>
+      </p:nvGrpSpPr>
+      <p:grpSpPr>
+        <a:xfrm>
+          <a:off x="0" y="0"/>
+          <a:ext cx="0" cy="0"/>
+          <a:chOff x="0" y="0"/>
+          <a:chExt cx="0" cy="0"/>
+        </a:xfrm>
+      </p:grpSpPr>
+      <p:sp>
+        <p:nvSpPr>
+          <p:cNvPr id="2" name="幻灯片图像占位符 1"/>
+          <p:cNvSpPr>
+            <a:spLocks noGrp="1" noRot="1" noChangeAspect="1"/>
+          </p:cNvSpPr>
+          <p:nvPr>
+            <p:ph type="sldImg"/>
+          </p:nvPr>
+        </p:nvSpPr>
+        <p:spPr/>
+      </p:sp>
+      <p:sp>
+        <p:nvSpPr>
+          <p:cNvPr id="3" name="备注占位符 2"/>
+          <p:cNvSpPr>
+            <a:spLocks noGrp="1"/>
+          </p:cNvSpPr>
+          <p:nvPr>
+            <p:ph type="body" idx="1"/>
+          </p:nvPr>
+        </p:nvSpPr>
+        <p:spPr/>
+        <p:txBody>
+          <a:bodyPr/>
+          <a:lstStyle/>
+          <a:p>
+            <a:r>
+              <a:rPr kumimoji="1" lang="en-US" altLang="zh-CN" dirty="0" smtClean="0"/>
+              <a:t>2.5</a:t>
+            </a:r>
+            <a:r>
+              <a:rPr kumimoji="1" lang="en-US" altLang="zh-CN" baseline="0" dirty="0" smtClean="0"/>
+              <a:t>min</a:t>
+            </a:r>
+            <a:endParaRPr kumimoji="1" lang="zh-CN" altLang="en-US" dirty="0"/>
+          </a:p>
+        </p:txBody>
+      </p:sp>
+      <p:sp>
+        <p:nvSpPr>
+          <p:cNvPr id="4" name="幻灯片编号占位符 3"/>
+          <p:cNvSpPr>
+            <a:spLocks noGrp="1"/>
+          </p:cNvSpPr>
+          <p:nvPr>
+            <p:ph type="sldNum" sz="quarter" idx="10"/>
+          </p:nvPr>
+        </p:nvSpPr>
+        <p:spPr/>
+        <p:txBody>
+          <a:bodyPr/>
+          <a:lstStyle/>
+          <a:p>
+            <a:fld id="{5FFD8256-8E26-6242-8ADF-B62733FD4742}" type="slidenum">
+              <a:rPr kumimoji="1" lang="zh-CN" altLang="en-US" smtClean="0"/>
+              <a:t>2</a:t>
+            </a:fld>
+            <a:endParaRPr kumimoji="1" lang="zh-CN" altLang="en-US"/>
+          </a:p>
+        </p:txBody>
+      </p:sp>
+    </p:spTree>
+    <p:extLst>
+      <p:ext uri="{BB962C8B-B14F-4D97-AF65-F5344CB8AC3E}">
+        <p14:creationId xmlns:p14="http://schemas.microsoft.com/office/powerpoint/2010/main" val="2023355900"/>
+      </p:ext>
+    </p:extLst>
+  </p:cSld>
+  <p:clrMapOvr>
+    <a:masterClrMapping/>
+  </p:clrMapOvr>
+</p:notes>
+</file>
+
+<file path=ppt/notesSlides/notesSlide3.xml><?xml version="1.0" encoding="utf-8"?>
+<p:notes xmlns:a="http://schemas.openxmlformats.org/drawingml/2006/main" xmlns:r="http://schemas.openxmlformats.org/officeDocument/2006/relationships" xmlns:p="http://schemas.openxmlformats.org/presentationml/2006/main">
+  <p:cSld>
+    <p:spTree>
+      <p:nvGrpSpPr>
+        <p:cNvPr id="1" name=""/>
+        <p:cNvGrpSpPr/>
+        <p:nvPr/>
+      </p:nvGrpSpPr>
+      <p:grpSpPr>
+        <a:xfrm>
+          <a:off x="0" y="0"/>
+          <a:ext cx="0" cy="0"/>
+          <a:chOff x="0" y="0"/>
+          <a:chExt cx="0" cy="0"/>
+        </a:xfrm>
+      </p:grpSpPr>
+      <p:sp>
+        <p:nvSpPr>
+          <p:cNvPr id="2" name="幻灯片图像占位符 1"/>
+          <p:cNvSpPr>
+            <a:spLocks noGrp="1" noRot="1" noChangeAspect="1"/>
+          </p:cNvSpPr>
+          <p:nvPr>
+            <p:ph type="sldImg"/>
+          </p:nvPr>
+        </p:nvSpPr>
+        <p:spPr/>
+      </p:sp>
+      <p:sp>
+        <p:nvSpPr>
+          <p:cNvPr id="3" name="备注占位符 2"/>
+          <p:cNvSpPr>
+            <a:spLocks noGrp="1"/>
+          </p:cNvSpPr>
+          <p:nvPr>
+            <p:ph type="body" idx="1"/>
+          </p:nvPr>
+        </p:nvSpPr>
+        <p:spPr/>
+        <p:txBody>
+          <a:bodyPr/>
+          <a:lstStyle/>
+          <a:p>
+            <a:r>
+              <a:rPr kumimoji="1" lang="en-US" altLang="zh-CN" dirty="0" smtClean="0"/>
+              <a:t>Description  </a:t>
+            </a:r>
+          </a:p>
+          <a:p>
+            <a:r>
+              <a:rPr kumimoji="1" lang="en-US" altLang="zh-CN" dirty="0" smtClean="0"/>
+              <a:t>30s</a:t>
+            </a:r>
+          </a:p>
+        </p:txBody>
+      </p:sp>
+      <p:sp>
+        <p:nvSpPr>
+          <p:cNvPr id="4" name="幻灯片编号占位符 3"/>
+          <p:cNvSpPr>
+            <a:spLocks noGrp="1"/>
+          </p:cNvSpPr>
+          <p:nvPr>
+            <p:ph type="sldNum" sz="quarter" idx="10"/>
+          </p:nvPr>
+        </p:nvSpPr>
+        <p:spPr/>
+        <p:txBody>
+          <a:bodyPr/>
+          <a:lstStyle/>
+          <a:p>
+            <a:fld id="{5FFD8256-8E26-6242-8ADF-B62733FD4742}" type="slidenum">
+              <a:rPr kumimoji="1" lang="zh-CN" altLang="en-US" smtClean="0"/>
+              <a:t>3</a:t>
+            </a:fld>
+            <a:endParaRPr kumimoji="1" lang="zh-CN" altLang="en-US"/>
+          </a:p>
+        </p:txBody>
+      </p:sp>
+    </p:spTree>
+    <p:extLst>
+      <p:ext uri="{BB962C8B-B14F-4D97-AF65-F5344CB8AC3E}">
+        <p14:creationId xmlns:p14="http://schemas.microsoft.com/office/powerpoint/2010/main" val="1540536799"/>
+      </p:ext>
+    </p:extLst>
+  </p:cSld>
+  <p:clrMapOvr>
+    <a:masterClrMapping/>
+  </p:clrMapOvr>
+</p:notes>
+</file>
+
+<file path=ppt/notesSlides/notesSlide4.xml><?xml version="1.0" encoding="utf-8"?>
+<p:notes xmlns:a="http://schemas.openxmlformats.org/drawingml/2006/main" xmlns:r="http://schemas.openxmlformats.org/officeDocument/2006/relationships" xmlns:p="http://schemas.openxmlformats.org/presentationml/2006/main">
+  <p:cSld>
+    <p:spTree>
+      <p:nvGrpSpPr>
+        <p:cNvPr id="1" name=""/>
+        <p:cNvGrpSpPr/>
+        <p:nvPr/>
+      </p:nvGrpSpPr>
+      <p:grpSpPr>
+        <a:xfrm>
+          <a:off x="0" y="0"/>
+          <a:ext cx="0" cy="0"/>
+          <a:chOff x="0" y="0"/>
+          <a:chExt cx="0" cy="0"/>
+        </a:xfrm>
+      </p:grpSpPr>
+      <p:sp>
+        <p:nvSpPr>
+          <p:cNvPr id="2" name="幻灯片图像占位符 1"/>
+          <p:cNvSpPr>
+            <a:spLocks noGrp="1" noRot="1" noChangeAspect="1"/>
+          </p:cNvSpPr>
+          <p:nvPr>
+            <p:ph type="sldImg"/>
+          </p:nvPr>
+        </p:nvSpPr>
+        <p:spPr/>
+      </p:sp>
+      <p:sp>
+        <p:nvSpPr>
+          <p:cNvPr id="3" name="备注占位符 2"/>
+          <p:cNvSpPr>
+            <a:spLocks noGrp="1"/>
+          </p:cNvSpPr>
+          <p:nvPr>
+            <p:ph type="body" idx="1"/>
+          </p:nvPr>
+        </p:nvSpPr>
+        <p:spPr/>
+        <p:txBody>
+          <a:bodyPr/>
+          <a:lstStyle/>
+          <a:p>
+            <a:r>
+              <a:rPr kumimoji="1" lang="en-US" altLang="zh-CN" dirty="0" smtClean="0"/>
+              <a:t>1min</a:t>
+            </a:r>
+            <a:endParaRPr kumimoji="1" lang="zh-CN" altLang="en-US" dirty="0"/>
+          </a:p>
+        </p:txBody>
+      </p:sp>
+      <p:sp>
+        <p:nvSpPr>
+          <p:cNvPr id="4" name="幻灯片编号占位符 3"/>
+          <p:cNvSpPr>
+            <a:spLocks noGrp="1"/>
+          </p:cNvSpPr>
+          <p:nvPr>
+            <p:ph type="sldNum" sz="quarter" idx="10"/>
+          </p:nvPr>
+        </p:nvSpPr>
+        <p:spPr/>
+        <p:txBody>
+          <a:bodyPr/>
+          <a:lstStyle/>
+          <a:p>
+            <a:fld id="{5FFD8256-8E26-6242-8ADF-B62733FD4742}" type="slidenum">
+              <a:rPr kumimoji="1" lang="zh-CN" altLang="en-US" smtClean="0"/>
+              <a:t>4</a:t>
+            </a:fld>
+            <a:endParaRPr kumimoji="1" lang="zh-CN" altLang="en-US"/>
+          </a:p>
+        </p:txBody>
+      </p:sp>
+    </p:spTree>
+    <p:extLst>
+      <p:ext uri="{BB962C8B-B14F-4D97-AF65-F5344CB8AC3E}">
+        <p14:creationId xmlns:p14="http://schemas.microsoft.com/office/powerpoint/2010/main" val="3149348886"/>
+      </p:ext>
+    </p:extLst>
+  </p:cSld>
+  <p:clrMapOvr>
+    <a:masterClrMapping/>
+  </p:clrMapOvr>
+</p:notes>
+</file>
+
+<file path=ppt/notesSlides/notesSlide5.xml><?xml version="1.0" encoding="utf-8"?>
+<p:notes xmlns:a="http://schemas.openxmlformats.org/drawingml/2006/main" xmlns:r="http://schemas.openxmlformats.org/officeDocument/2006/relationships" xmlns:p="http://schemas.openxmlformats.org/presentationml/2006/main">
+  <p:cSld>
+    <p:spTree>
+      <p:nvGrpSpPr>
+        <p:cNvPr id="1" name=""/>
+        <p:cNvGrpSpPr/>
+        <p:nvPr/>
+      </p:nvGrpSpPr>
+      <p:grpSpPr>
+        <a:xfrm>
+          <a:off x="0" y="0"/>
+          <a:ext cx="0" cy="0"/>
+          <a:chOff x="0" y="0"/>
+          <a:chExt cx="0" cy="0"/>
+        </a:xfrm>
+      </p:grpSpPr>
+      <p:sp>
+        <p:nvSpPr>
+          <p:cNvPr id="2" name="幻灯片图像占位符 1"/>
+          <p:cNvSpPr>
+            <a:spLocks noGrp="1" noRot="1" noChangeAspect="1"/>
+          </p:cNvSpPr>
+          <p:nvPr>
+            <p:ph type="sldImg"/>
+          </p:nvPr>
+        </p:nvSpPr>
+        <p:spPr/>
+      </p:sp>
+      <p:sp>
+        <p:nvSpPr>
+          <p:cNvPr id="3" name="备注占位符 2"/>
+          <p:cNvSpPr>
+            <a:spLocks noGrp="1"/>
+          </p:cNvSpPr>
+          <p:nvPr>
+            <p:ph type="body" idx="1"/>
+          </p:nvPr>
+        </p:nvSpPr>
+        <p:spPr/>
+        <p:txBody>
+          <a:bodyPr/>
+          <a:lstStyle/>
+          <a:p>
+            <a:r>
+              <a:rPr kumimoji="1" lang="en-US" altLang="zh-CN" dirty="0" smtClean="0"/>
+              <a:t>2min</a:t>
+            </a:r>
+            <a:endParaRPr kumimoji="1" lang="zh-CN" altLang="en-US" dirty="0"/>
+          </a:p>
+        </p:txBody>
+      </p:sp>
+      <p:sp>
+        <p:nvSpPr>
+          <p:cNvPr id="4" name="幻灯片编号占位符 3"/>
+          <p:cNvSpPr>
+            <a:spLocks noGrp="1"/>
+          </p:cNvSpPr>
+          <p:nvPr>
+            <p:ph type="sldNum" sz="quarter" idx="10"/>
+          </p:nvPr>
+        </p:nvSpPr>
+        <p:spPr/>
+        <p:txBody>
+          <a:bodyPr/>
+          <a:lstStyle/>
+          <a:p>
+            <a:fld id="{5FFD8256-8E26-6242-8ADF-B62733FD4742}" type="slidenum">
+              <a:rPr kumimoji="1" lang="zh-CN" altLang="en-US" smtClean="0"/>
+              <a:t>5</a:t>
+            </a:fld>
+            <a:endParaRPr kumimoji="1" lang="zh-CN" altLang="en-US"/>
+          </a:p>
+        </p:txBody>
+      </p:sp>
+    </p:spTree>
+    <p:extLst>
+      <p:ext uri="{BB962C8B-B14F-4D97-AF65-F5344CB8AC3E}">
+        <p14:creationId xmlns:p14="http://schemas.microsoft.com/office/powerpoint/2010/main" val="2990693699"/>
+      </p:ext>
+    </p:extLst>
+  </p:cSld>
+  <p:clrMapOvr>
+    <a:masterClrMapping/>
+  </p:clrMapOvr>
+</p:notes>
+</file>
+
+<file path=ppt/notesSlides/notesSlide6.xml><?xml version="1.0" encoding="utf-8"?>
+<p:notes xmlns:a="http://schemas.openxmlformats.org/drawingml/2006/main" xmlns:r="http://schemas.openxmlformats.org/officeDocument/2006/relationships" xmlns:p="http://schemas.openxmlformats.org/presentationml/2006/main">
+  <p:cSld>
+    <p:spTree>
+      <p:nvGrpSpPr>
+        <p:cNvPr id="1" name=""/>
+        <p:cNvGrpSpPr/>
+        <p:nvPr/>
+      </p:nvGrpSpPr>
+      <p:grpSpPr>
+        <a:xfrm>
+          <a:off x="0" y="0"/>
+          <a:ext cx="0" cy="0"/>
+          <a:chOff x="0" y="0"/>
+          <a:chExt cx="0" cy="0"/>
+        </a:xfrm>
+      </p:grpSpPr>
+      <p:sp>
+        <p:nvSpPr>
+          <p:cNvPr id="2" name="幻灯片图像占位符 1"/>
+          <p:cNvSpPr>
+            <a:spLocks noGrp="1" noRot="1" noChangeAspect="1"/>
+          </p:cNvSpPr>
+          <p:nvPr>
+            <p:ph type="sldImg"/>
+          </p:nvPr>
+        </p:nvSpPr>
+        <p:spPr/>
+      </p:sp>
+      <p:sp>
+        <p:nvSpPr>
+          <p:cNvPr id="3" name="备注占位符 2"/>
+          <p:cNvSpPr>
+            <a:spLocks noGrp="1"/>
+          </p:cNvSpPr>
+          <p:nvPr>
+            <p:ph type="body" idx="1"/>
+          </p:nvPr>
+        </p:nvSpPr>
+        <p:spPr/>
+        <p:txBody>
+          <a:bodyPr/>
+          <a:lstStyle/>
+          <a:p>
+            <a:r>
+              <a:rPr kumimoji="1" lang="en-US" altLang="zh-CN" dirty="0" smtClean="0"/>
+              <a:t>1min</a:t>
+            </a:r>
+            <a:endParaRPr kumimoji="1" lang="zh-CN" altLang="en-US" dirty="0"/>
+          </a:p>
+        </p:txBody>
+      </p:sp>
+      <p:sp>
+        <p:nvSpPr>
+          <p:cNvPr id="4" name="幻灯片编号占位符 3"/>
+          <p:cNvSpPr>
+            <a:spLocks noGrp="1"/>
+          </p:cNvSpPr>
+          <p:nvPr>
+            <p:ph type="sldNum" sz="quarter" idx="10"/>
+          </p:nvPr>
+        </p:nvSpPr>
+        <p:spPr/>
+        <p:txBody>
+          <a:bodyPr/>
+          <a:lstStyle/>
+          <a:p>
+            <a:fld id="{5FFD8256-8E26-6242-8ADF-B62733FD4742}" type="slidenum">
+              <a:rPr kumimoji="1" lang="zh-CN" altLang="en-US" smtClean="0"/>
+              <a:t>7</a:t>
+            </a:fld>
+            <a:endParaRPr kumimoji="1" lang="zh-CN" altLang="en-US"/>
+          </a:p>
+        </p:txBody>
+      </p:sp>
+    </p:spTree>
+    <p:extLst>
+      <p:ext uri="{BB962C8B-B14F-4D97-AF65-F5344CB8AC3E}">
+        <p14:creationId xmlns:p14="http://schemas.microsoft.com/office/powerpoint/2010/main" val="504157152"/>
+      </p:ext>
+    </p:extLst>
+  </p:cSld>
+  <p:clrMapOvr>
+    <a:masterClrMapping/>
+  </p:clrMapOvr>
+</p:notes>
 </file>
 
 <file path=ppt/slideLayouts/slideLayout1.xml><?xml version="1.0" encoding="utf-8"?>
@@ -3107,10 +4003,30 @@
         </p:nvSpPr>
         <p:spPr/>
         <p:txBody>
-          <a:bodyPr/>
-          <a:lstStyle/>
-          <a:p>
-            <a:endParaRPr kumimoji="1" lang="zh-CN" altLang="en-US"/>
+          <a:bodyPr>
+            <a:normAutofit fontScale="90000"/>
+          </a:bodyPr>
+          <a:lstStyle/>
+          <a:p>
+            <a:r>
+              <a:rPr kumimoji="1" lang="en-US" altLang="zh-CN" b="1" dirty="0" smtClean="0"/>
+              <a:t/>
+            </a:r>
+            <a:br>
+              <a:rPr kumimoji="1" lang="en-US" altLang="zh-CN" b="1" dirty="0" smtClean="0"/>
+            </a:br>
+            <a:r>
+              <a:rPr kumimoji="1" lang="en-US" altLang="zh-CN" b="1" dirty="0" smtClean="0"/>
+              <a:t>AI </a:t>
+            </a:r>
+            <a:r>
+              <a:rPr kumimoji="1" lang="en-US" altLang="zh-CN" b="1" dirty="0" smtClean="0"/>
+              <a:t>English Buddy</a:t>
+            </a:r>
+            <a:br>
+              <a:rPr kumimoji="1" lang="en-US" altLang="zh-CN" b="1" dirty="0" smtClean="0"/>
+            </a:br>
+            <a:endParaRPr kumimoji="1" lang="zh-CN" altLang="en-US" b="1" dirty="0"/>
           </a:p>
         </p:txBody>
       </p:sp>
@@ -3124,15 +4040,102 @@
             <p:ph type="subTitle" idx="1"/>
           </p:nvPr>
         </p:nvSpPr>
-        <p:spPr/>
-        <p:txBody>
-          <a:bodyPr/>
-          <a:lstStyle/>
-          <a:p>
-            <a:endParaRPr kumimoji="1" lang="zh-CN" altLang="en-US"/>
-          </a:p>
-        </p:txBody>
-      </p:sp>
+        <p:spPr>
+          <a:xfrm>
+            <a:off x="3073400" y="3797300"/>
+            <a:ext cx="6070600" cy="1098550"/>
+          </a:xfrm>
+        </p:spPr>
+        <p:txBody>
+          <a:bodyPr>
+            <a:normAutofit fontScale="92500"/>
+          </a:bodyPr>
+          <a:lstStyle/>
+          <a:p>
+            <a:pPr algn="l"/>
+            <a:r>
+              <a:rPr kumimoji="1" lang="en-US" altLang="zh-CN" sz="2400" dirty="0" smtClean="0">
+                <a:solidFill>
+                  <a:schemeClr val="tx1"/>
+                </a:solidFill>
+              </a:rPr>
+              <a:t>      Min Li, </a:t>
+            </a:r>
+            <a:r>
+              <a:rPr kumimoji="1" lang="en-US" altLang="zh-CN" sz="2400" dirty="0" err="1" smtClean="0">
+                <a:solidFill>
+                  <a:schemeClr val="tx1"/>
+                </a:solidFill>
+              </a:rPr>
+              <a:t>MASc</a:t>
+            </a:r>
+            <a:r>
+              <a:rPr kumimoji="1" lang="en-US" altLang="zh-CN" sz="2400" dirty="0" smtClean="0">
+                <a:solidFill>
+                  <a:schemeClr val="tx1"/>
+                </a:solidFill>
+              </a:rPr>
+              <a:t> in ECE</a:t>
+            </a:r>
+          </a:p>
+          <a:p>
+            <a:pPr algn="l"/>
+            <a:r>
+              <a:rPr kumimoji="1" lang="en-US" altLang="zh-CN" sz="2400" dirty="0" smtClean="0">
+                <a:solidFill>
+                  <a:srgbClr val="000000"/>
+                </a:solidFill>
+              </a:rPr>
+              <a:t>      </a:t>
+            </a:r>
+            <a:r>
+              <a:rPr kumimoji="1" lang="en-US" altLang="zh-CN" sz="2400" dirty="0" err="1" smtClean="0">
+                <a:solidFill>
+                  <a:srgbClr val="000000"/>
+                </a:solidFill>
+              </a:rPr>
+              <a:t>Zhibang</a:t>
+            </a:r>
+            <a:r>
+              <a:rPr kumimoji="1" lang="en-US" altLang="zh-CN" sz="2400" dirty="0" smtClean="0">
+                <a:solidFill>
+                  <a:srgbClr val="000000"/>
+                </a:solidFill>
+              </a:rPr>
+              <a:t> Liang, Electrical Engineer in BC Hydro</a:t>
+            </a:r>
+            <a:endParaRPr kumimoji="1" lang="zh-CN" altLang="en-US" sz="2400" dirty="0">
+              <a:solidFill>
+                <a:srgbClr val="000000"/>
+              </a:solidFill>
+            </a:endParaRPr>
+          </a:p>
+        </p:txBody>
+      </p:sp>
+      <p:pic>
+        <p:nvPicPr>
+          <p:cNvPr id="4" name="图片 3"/>
+          <p:cNvPicPr>
+            <a:picLocks noChangeAspect="1"/>
+          </p:cNvPicPr>
+          <p:nvPr/>
+        </p:nvPicPr>
+        <p:blipFill>
+          <a:blip r:embed="rId3"/>
+          <a:stretch>
+            <a:fillRect/>
+          </a:stretch>
+        </p:blipFill>
+        <p:spPr>
+          <a:xfrm>
+            <a:off x="1028700" y="71967"/>
+            <a:ext cx="6845300" cy="2281767"/>
+          </a:xfrm>
+          <a:prstGeom prst="rect">
+            <a:avLst/>
+          </a:prstGeom>
+        </p:spPr>
+      </p:pic>
     </p:spTree>
     <p:extLst>
       <p:ext uri="{BB962C8B-B14F-4D97-AF65-F5344CB8AC3E}">
@@ -3143,6 +4146,936 @@
   <p:clrMapOvr>
     <a:masterClrMapping/>
   </p:clrMapOvr>
+  <p:timing>
+    <p:tnLst>
+      <p:par>
+        <p:cTn xmlns:p14="http://schemas.microsoft.com/office/powerpoint/2010/main" id="1" dur="indefinite" restart="never" nodeType="tmRoot"/>
+      </p:par>
+    </p:tnLst>
+  </p:timing>
+</p:sld>
+</file>
+
+<file path=ppt/slides/slide2.xml><?xml version="1.0" encoding="utf-8"?>
+<p:sld xmlns:a="http://schemas.openxmlformats.org/drawingml/2006/main" xmlns:r="http://schemas.openxmlformats.org/officeDocument/2006/relationships" xmlns:p="http://schemas.openxmlformats.org/presentationml/2006/main">
+  <p:cSld>
+    <p:spTree>
+      <p:nvGrpSpPr>
+        <p:cNvPr id="1" name=""/>
+        <p:cNvGrpSpPr/>
+        <p:nvPr/>
+      </p:nvGrpSpPr>
+      <p:grpSpPr>
+        <a:xfrm>
+          <a:off x="0" y="0"/>
+          <a:ext cx="0" cy="0"/>
+          <a:chOff x="0" y="0"/>
+          <a:chExt cx="0" cy="0"/>
+        </a:xfrm>
+      </p:grpSpPr>
+      <p:sp>
+        <p:nvSpPr>
+          <p:cNvPr id="2" name="标题 1"/>
+          <p:cNvSpPr>
+            <a:spLocks noGrp="1"/>
+          </p:cNvSpPr>
+          <p:nvPr>
+            <p:ph type="title"/>
+          </p:nvPr>
+        </p:nvSpPr>
+        <p:spPr/>
+        <p:txBody>
+          <a:bodyPr>
+            <a:normAutofit/>
+          </a:bodyPr>
+          <a:lstStyle/>
+          <a:p>
+            <a:r>
+              <a:rPr kumimoji="1" lang="zh-CN" altLang="en-US" dirty="0" smtClean="0"/>
+              <a:t>农村英语教育</a:t>
+            </a:r>
+            <a:endParaRPr kumimoji="1" lang="zh-CN" altLang="en-US" dirty="0"/>
+          </a:p>
+        </p:txBody>
+      </p:sp>
+      <p:sp>
+        <p:nvSpPr>
+          <p:cNvPr id="3" name="内容占位符 2"/>
+          <p:cNvSpPr>
+            <a:spLocks noGrp="1"/>
+          </p:cNvSpPr>
+          <p:nvPr>
+            <p:ph idx="1"/>
+          </p:nvPr>
+        </p:nvSpPr>
+        <p:spPr/>
+        <p:txBody>
+          <a:bodyPr/>
+          <a:lstStyle/>
+          <a:p>
+            <a:r>
+              <a:rPr kumimoji="1" lang="zh-CN" altLang="en-US" dirty="0" smtClean="0"/>
+              <a:t>英语教学师资不足</a:t>
+            </a:r>
+            <a:endParaRPr kumimoji="1" lang="en-US" altLang="zh-CN" dirty="0" smtClean="0"/>
+          </a:p>
+          <a:p>
+            <a:r>
+              <a:rPr kumimoji="1" lang="zh-CN" altLang="en-US" dirty="0" smtClean="0"/>
+              <a:t>教学缺乏互动性</a:t>
+            </a:r>
+            <a:endParaRPr kumimoji="1" lang="en-US" altLang="zh-CN" dirty="0" smtClean="0"/>
+          </a:p>
+          <a:p>
+            <a:r>
+              <a:rPr kumimoji="1" lang="zh-CN" altLang="en-US" dirty="0" smtClean="0"/>
+              <a:t>无法调动学习热情</a:t>
+            </a:r>
+            <a:endParaRPr kumimoji="1" lang="zh-CN" altLang="en-US" dirty="0"/>
+          </a:p>
+        </p:txBody>
+      </p:sp>
+      <p:pic>
+        <p:nvPicPr>
+          <p:cNvPr id="4" name="图片 3"/>
+          <p:cNvPicPr>
+            <a:picLocks noChangeAspect="1"/>
+          </p:cNvPicPr>
+          <p:nvPr/>
+        </p:nvPicPr>
+        <p:blipFill>
+          <a:blip r:embed="rId3"/>
+          <a:stretch>
+            <a:fillRect/>
+          </a:stretch>
+        </p:blipFill>
+        <p:spPr>
+          <a:xfrm>
+            <a:off x="3955860" y="3683000"/>
+            <a:ext cx="4978738" cy="2997200"/>
+          </a:xfrm>
+          <a:prstGeom prst="rect">
+            <a:avLst/>
+          </a:prstGeom>
+        </p:spPr>
+      </p:pic>
+    </p:spTree>
+    <p:extLst>
+      <p:ext uri="{BB962C8B-B14F-4D97-AF65-F5344CB8AC3E}">
+        <p14:creationId xmlns:p14="http://schemas.microsoft.com/office/powerpoint/2010/main" val="1683755536"/>
+      </p:ext>
+    </p:extLst>
+  </p:cSld>
+  <p:clrMapOvr>
+    <a:masterClrMapping/>
+  </p:clrMapOvr>
+  <p:timing>
+    <p:tnLst>
+      <p:par>
+        <p:cTn xmlns:p14="http://schemas.microsoft.com/office/powerpoint/2010/main" id="1" dur="indefinite" restart="never" nodeType="tmRoot"/>
+      </p:par>
+    </p:tnLst>
+  </p:timing>
+</p:sld>
+</file>
+
+<file path=ppt/slides/slide3.xml><?xml version="1.0" encoding="utf-8"?>
+<p:sld xmlns:a="http://schemas.openxmlformats.org/drawingml/2006/main" xmlns:r="http://schemas.openxmlformats.org/officeDocument/2006/relationships" xmlns:p="http://schemas.openxmlformats.org/presentationml/2006/main">
+  <p:cSld>
+    <p:spTree>
+      <p:nvGrpSpPr>
+        <p:cNvPr id="1" name=""/>
+        <p:cNvGrpSpPr/>
+        <p:nvPr/>
+      </p:nvGrpSpPr>
+      <p:grpSpPr>
+        <a:xfrm>
+          <a:off x="0" y="0"/>
+          <a:ext cx="0" cy="0"/>
+          <a:chOff x="0" y="0"/>
+          <a:chExt cx="0" cy="0"/>
+        </a:xfrm>
+      </p:grpSpPr>
+      <p:sp>
+        <p:nvSpPr>
+          <p:cNvPr id="2" name="标题 1"/>
+          <p:cNvSpPr>
+            <a:spLocks noGrp="1"/>
+          </p:cNvSpPr>
+          <p:nvPr>
+            <p:ph type="title"/>
+          </p:nvPr>
+        </p:nvSpPr>
+        <p:spPr/>
+        <p:txBody>
+          <a:bodyPr/>
+          <a:lstStyle/>
+          <a:p>
+            <a:r>
+              <a:rPr kumimoji="1" lang="en-US" altLang="zh-CN" dirty="0" smtClean="0"/>
+              <a:t>AI English Buddy</a:t>
+            </a:r>
+            <a:endParaRPr kumimoji="1" lang="zh-CN" altLang="en-US" dirty="0"/>
+          </a:p>
+        </p:txBody>
+      </p:sp>
+      <p:sp>
+        <p:nvSpPr>
+          <p:cNvPr id="3" name="内容占位符 2"/>
+          <p:cNvSpPr>
+            <a:spLocks noGrp="1"/>
+          </p:cNvSpPr>
+          <p:nvPr>
+            <p:ph idx="1"/>
+          </p:nvPr>
+        </p:nvSpPr>
+        <p:spPr/>
+        <p:txBody>
+          <a:bodyPr/>
+          <a:lstStyle/>
+          <a:p>
+            <a:pPr marL="0" indent="0">
+              <a:buNone/>
+            </a:pPr>
+            <a:r>
+              <a:rPr kumimoji="1" lang="en-US" altLang="zh-CN" dirty="0" smtClean="0"/>
+              <a:t>    English Buddy = AI + </a:t>
+            </a:r>
+            <a:r>
+              <a:rPr kumimoji="1" lang="zh-CN" altLang="en-US" dirty="0" smtClean="0"/>
+              <a:t>语言学</a:t>
+            </a:r>
+            <a:r>
+              <a:rPr kumimoji="1" lang="en-US" altLang="zh-CN" dirty="0" smtClean="0"/>
+              <a:t> + </a:t>
+            </a:r>
+            <a:r>
+              <a:rPr kumimoji="1" lang="zh-CN" altLang="en-US" dirty="0" smtClean="0"/>
+              <a:t>教育学</a:t>
+            </a:r>
+            <a:endParaRPr kumimoji="1" lang="en-US" altLang="zh-CN" dirty="0" smtClean="0"/>
+          </a:p>
+          <a:p>
+            <a:pPr marL="0" indent="0">
+              <a:buNone/>
+            </a:pPr>
+            <a:r>
+              <a:rPr kumimoji="1" lang="en-US" altLang="zh-CN" dirty="0"/>
+              <a:t> </a:t>
+            </a:r>
+            <a:r>
+              <a:rPr kumimoji="1" lang="en-US" altLang="zh-CN" dirty="0" smtClean="0"/>
+              <a:t>   </a:t>
+            </a:r>
+          </a:p>
+        </p:txBody>
+      </p:sp>
+      <p:pic>
+        <p:nvPicPr>
+          <p:cNvPr id="4" name="图片 3"/>
+          <p:cNvPicPr>
+            <a:picLocks noChangeAspect="1"/>
+          </p:cNvPicPr>
+          <p:nvPr/>
+        </p:nvPicPr>
+        <p:blipFill>
+          <a:blip r:embed="rId3"/>
+          <a:stretch>
+            <a:fillRect/>
+          </a:stretch>
+        </p:blipFill>
+        <p:spPr>
+          <a:xfrm>
+            <a:off x="5723313" y="2336800"/>
+            <a:ext cx="2963487" cy="3505200"/>
+          </a:xfrm>
+          <a:prstGeom prst="rect">
+            <a:avLst/>
+          </a:prstGeom>
+        </p:spPr>
+      </p:pic>
+      <p:pic>
+        <p:nvPicPr>
+          <p:cNvPr id="7" name="图片 6"/>
+          <p:cNvPicPr>
+            <a:picLocks noChangeAspect="1"/>
+          </p:cNvPicPr>
+          <p:nvPr/>
+        </p:nvPicPr>
+        <p:blipFill>
+          <a:blip r:embed="rId4"/>
+          <a:stretch>
+            <a:fillRect/>
+          </a:stretch>
+        </p:blipFill>
+        <p:spPr>
+          <a:xfrm>
+            <a:off x="440113" y="2501900"/>
+            <a:ext cx="5283200" cy="3003082"/>
+          </a:xfrm>
+          <a:prstGeom prst="rect">
+            <a:avLst/>
+          </a:prstGeom>
+        </p:spPr>
+      </p:pic>
+    </p:spTree>
+    <p:extLst>
+      <p:ext uri="{BB962C8B-B14F-4D97-AF65-F5344CB8AC3E}">
+        <p14:creationId xmlns:p14="http://schemas.microsoft.com/office/powerpoint/2010/main" val="3720303203"/>
+      </p:ext>
+    </p:extLst>
+  </p:cSld>
+  <p:clrMapOvr>
+    <a:masterClrMapping/>
+  </p:clrMapOvr>
+  <p:timing>
+    <p:tnLst>
+      <p:par>
+        <p:cTn xmlns:p14="http://schemas.microsoft.com/office/powerpoint/2010/main" id="1" dur="indefinite" restart="never" nodeType="tmRoot">
+          <p:childTnLst>
+            <p:seq concurrent="1" nextAc="seek">
+              <p:cTn id="2" dur="indefinite" nodeType="mainSeq">
+                <p:childTnLst>
+                  <p:par>
+                    <p:cTn id="3" fill="hold">
+                      <p:stCondLst>
+                        <p:cond delay="indefinite"/>
+                      </p:stCondLst>
+                      <p:childTnLst>
+                        <p:par>
+                          <p:cTn id="4" fill="hold">
+                            <p:stCondLst>
+                              <p:cond delay="0"/>
+                            </p:stCondLst>
+                            <p:childTnLst>
+                              <p:par>
+                                <p:cTn id="5" presetID="1" presetClass="entr" presetSubtype="0" fill="hold" nodeType="clickEffect">
+                                  <p:stCondLst>
+                                    <p:cond delay="0"/>
+                                  </p:stCondLst>
+                                  <p:childTnLst>
+                                    <p:set>
+                                      <p:cBhvr>
+                                        <p:cTn id="6" dur="1" fill="hold">
+                                          <p:stCondLst>
+                                            <p:cond delay="0"/>
+                                          </p:stCondLst>
+                                        </p:cTn>
+                                        <p:tgtEl>
+                                          <p:spTgt spid="7"/>
+                                        </p:tgtEl>
+                                        <p:attrNameLst>
+                                          <p:attrName>style.visibility</p:attrName>
+                                        </p:attrNameLst>
+                                      </p:cBhvr>
+                                      <p:to>
+                                        <p:strVal val="visible"/>
+                                      </p:to>
+                                    </p:set>
+                                  </p:childTnLst>
+                                </p:cTn>
+                              </p:par>
+                            </p:childTnLst>
+                          </p:cTn>
+                        </p:par>
+                      </p:childTnLst>
+                    </p:cTn>
+                  </p:par>
+                  <p:par>
+                    <p:cTn id="7" fill="hold">
+                      <p:stCondLst>
+                        <p:cond delay="indefinite"/>
+                      </p:stCondLst>
+                      <p:childTnLst>
+                        <p:par>
+                          <p:cTn id="8" fill="hold">
+                            <p:stCondLst>
+                              <p:cond delay="0"/>
+                            </p:stCondLst>
+                            <p:childTnLst>
+                              <p:par>
+                                <p:cTn id="9" presetID="1" presetClass="entr" presetSubtype="0" fill="hold" nodeType="clickEffect">
+                                  <p:stCondLst>
+                                    <p:cond delay="0"/>
+                                  </p:stCondLst>
+                                  <p:childTnLst>
+                                    <p:set>
+                                      <p:cBhvr>
+                                        <p:cTn id="10" dur="1" fill="hold">
+                                          <p:stCondLst>
+                                            <p:cond delay="0"/>
+                                          </p:stCondLst>
+                                        </p:cTn>
+                                        <p:tgtEl>
+                                          <p:spTgt spid="4"/>
+                                        </p:tgtEl>
+                                        <p:attrNameLst>
+                                          <p:attrName>style.visibility</p:attrName>
+                                        </p:attrNameLst>
+                                      </p:cBhvr>
+                                      <p:to>
+                                        <p:strVal val="visible"/>
+                                      </p:to>
+                                    </p:set>
+                                  </p:childTnLst>
+                                </p:cTn>
+                              </p:par>
+                            </p:childTnLst>
+                          </p:cTn>
+                        </p:par>
+                      </p:childTnLst>
+                    </p:cTn>
+                  </p:par>
+                </p:childTnLst>
+              </p:cTn>
+              <p:prevCondLst>
+                <p:cond evt="onPrev" delay="0">
+                  <p:tgtEl>
+                    <p:sldTgt/>
+                  </p:tgtEl>
+                </p:cond>
+              </p:prevCondLst>
+              <p:nextCondLst>
+                <p:cond evt="onNext" delay="0">
+                  <p:tgtEl>
+                    <p:sldTgt/>
+                  </p:tgtEl>
+                </p:cond>
+              </p:nextCondLst>
+            </p:seq>
+          </p:childTnLst>
+        </p:cTn>
+      </p:par>
+    </p:tnLst>
+  </p:timing>
+</p:sld>
+</file>
+
+<file path=ppt/slides/slide4.xml><?xml version="1.0" encoding="utf-8"?>
+<p:sld xmlns:a="http://schemas.openxmlformats.org/drawingml/2006/main" xmlns:r="http://schemas.openxmlformats.org/officeDocument/2006/relationships" xmlns:p="http://schemas.openxmlformats.org/presentationml/2006/main">
+  <p:cSld>
+    <p:spTree>
+      <p:nvGrpSpPr>
+        <p:cNvPr id="1" name=""/>
+        <p:cNvGrpSpPr/>
+        <p:nvPr/>
+      </p:nvGrpSpPr>
+      <p:grpSpPr>
+        <a:xfrm>
+          <a:off x="0" y="0"/>
+          <a:ext cx="0" cy="0"/>
+          <a:chOff x="0" y="0"/>
+          <a:chExt cx="0" cy="0"/>
+        </a:xfrm>
+      </p:grpSpPr>
+      <p:sp>
+        <p:nvSpPr>
+          <p:cNvPr id="2" name="标题 1"/>
+          <p:cNvSpPr>
+            <a:spLocks noGrp="1"/>
+          </p:cNvSpPr>
+          <p:nvPr>
+            <p:ph type="title"/>
+          </p:nvPr>
+        </p:nvSpPr>
+        <p:spPr/>
+        <p:txBody>
+          <a:bodyPr/>
+          <a:lstStyle/>
+          <a:p>
+            <a:r>
+              <a:rPr kumimoji="1" lang="en-US" altLang="zh-CN" dirty="0" smtClean="0"/>
+              <a:t>Technology</a:t>
+            </a:r>
+            <a:endParaRPr kumimoji="1" lang="zh-CN" altLang="en-US" dirty="0"/>
+          </a:p>
+        </p:txBody>
+      </p:sp>
+      <p:sp>
+        <p:nvSpPr>
+          <p:cNvPr id="3" name="内容占位符 2"/>
+          <p:cNvSpPr>
+            <a:spLocks noGrp="1"/>
+          </p:cNvSpPr>
+          <p:nvPr>
+            <p:ph idx="1"/>
+          </p:nvPr>
+        </p:nvSpPr>
+        <p:spPr/>
+        <p:txBody>
+          <a:bodyPr/>
+          <a:lstStyle/>
+          <a:p>
+            <a:pPr marL="0" indent="0">
+              <a:buNone/>
+            </a:pPr>
+            <a:r>
+              <a:rPr kumimoji="1" lang="en-US" altLang="zh-CN" dirty="0" smtClean="0"/>
+              <a:t>Voice Recognition</a:t>
+            </a:r>
+          </a:p>
+          <a:p>
+            <a:pPr marL="0" indent="0">
+              <a:buNone/>
+            </a:pPr>
+            <a:r>
+              <a:rPr kumimoji="1" lang="en-US" altLang="zh-CN" dirty="0" smtClean="0"/>
+              <a:t>Cloud Computing</a:t>
+            </a:r>
+          </a:p>
+          <a:p>
+            <a:pPr marL="0" indent="0">
+              <a:buNone/>
+            </a:pPr>
+            <a:r>
+              <a:rPr kumimoji="1" lang="en-US" altLang="zh-CN" dirty="0" smtClean="0"/>
+              <a:t>Natural Language Processing</a:t>
+            </a:r>
+          </a:p>
+          <a:p>
+            <a:pPr marL="0" indent="0">
+              <a:buNone/>
+            </a:pPr>
+            <a:r>
+              <a:rPr kumimoji="1" lang="en-US" altLang="zh-CN" dirty="0" smtClean="0"/>
+              <a:t>Natural Language Generation</a:t>
+            </a:r>
+          </a:p>
+          <a:p>
+            <a:pPr marL="0" indent="0">
+              <a:buNone/>
+            </a:pPr>
+            <a:r>
+              <a:rPr kumimoji="1" lang="en-US" altLang="zh-CN" dirty="0" smtClean="0"/>
+              <a:t>Machine Learning</a:t>
+            </a:r>
+          </a:p>
+          <a:p>
+            <a:pPr marL="0" indent="0">
+              <a:buNone/>
+            </a:pPr>
+            <a:r>
+              <a:rPr kumimoji="1" lang="en-US" altLang="zh-CN" dirty="0" smtClean="0"/>
+              <a:t>……</a:t>
+            </a:r>
+            <a:endParaRPr kumimoji="1" lang="zh-CN" altLang="en-US" dirty="0"/>
+          </a:p>
+        </p:txBody>
+      </p:sp>
+      <p:pic>
+        <p:nvPicPr>
+          <p:cNvPr id="6" name="图片 5"/>
+          <p:cNvPicPr>
+            <a:picLocks noChangeAspect="1"/>
+          </p:cNvPicPr>
+          <p:nvPr/>
+        </p:nvPicPr>
+        <p:blipFill>
+          <a:blip r:embed="rId3"/>
+          <a:stretch>
+            <a:fillRect/>
+          </a:stretch>
+        </p:blipFill>
+        <p:spPr>
+          <a:xfrm>
+            <a:off x="5880100" y="1417638"/>
+            <a:ext cx="3124200" cy="2396708"/>
+          </a:xfrm>
+          <a:prstGeom prst="rect">
+            <a:avLst/>
+          </a:prstGeom>
+        </p:spPr>
+      </p:pic>
+    </p:spTree>
+    <p:extLst>
+      <p:ext uri="{BB962C8B-B14F-4D97-AF65-F5344CB8AC3E}">
+        <p14:creationId xmlns:p14="http://schemas.microsoft.com/office/powerpoint/2010/main" val="194110780"/>
+      </p:ext>
+    </p:extLst>
+  </p:cSld>
+  <p:clrMapOvr>
+    <a:masterClrMapping/>
+  </p:clrMapOvr>
+  <p:timing>
+    <p:tnLst>
+      <p:par>
+        <p:cTn xmlns:p14="http://schemas.microsoft.com/office/powerpoint/2010/main" id="1" dur="indefinite" restart="never" nodeType="tmRoot"/>
+      </p:par>
+    </p:tnLst>
+  </p:timing>
+</p:sld>
+</file>
+
+<file path=ppt/slides/slide5.xml><?xml version="1.0" encoding="utf-8"?>
+<p:sld xmlns:a="http://schemas.openxmlformats.org/drawingml/2006/main" xmlns:r="http://schemas.openxmlformats.org/officeDocument/2006/relationships" xmlns:p="http://schemas.openxmlformats.org/presentationml/2006/main">
+  <p:cSld>
+    <p:spTree>
+      <p:nvGrpSpPr>
+        <p:cNvPr id="1" name=""/>
+        <p:cNvGrpSpPr/>
+        <p:nvPr/>
+      </p:nvGrpSpPr>
+      <p:grpSpPr>
+        <a:xfrm>
+          <a:off x="0" y="0"/>
+          <a:ext cx="0" cy="0"/>
+          <a:chOff x="0" y="0"/>
+          <a:chExt cx="0" cy="0"/>
+        </a:xfrm>
+      </p:grpSpPr>
+      <p:sp>
+        <p:nvSpPr>
+          <p:cNvPr id="2" name="标题 1"/>
+          <p:cNvSpPr>
+            <a:spLocks noGrp="1"/>
+          </p:cNvSpPr>
+          <p:nvPr>
+            <p:ph type="title"/>
+          </p:nvPr>
+        </p:nvSpPr>
+        <p:spPr/>
+        <p:txBody>
+          <a:bodyPr/>
+          <a:lstStyle/>
+          <a:p>
+            <a:r>
+              <a:rPr kumimoji="1" lang="en-US" altLang="zh-CN" dirty="0" smtClean="0"/>
+              <a:t>Plan</a:t>
+            </a:r>
+            <a:endParaRPr kumimoji="1" lang="zh-CN" altLang="en-US" dirty="0"/>
+          </a:p>
+        </p:txBody>
+      </p:sp>
+      <p:sp>
+        <p:nvSpPr>
+          <p:cNvPr id="3" name="内容占位符 2"/>
+          <p:cNvSpPr>
+            <a:spLocks noGrp="1"/>
+          </p:cNvSpPr>
+          <p:nvPr>
+            <p:ph idx="1"/>
+          </p:nvPr>
+        </p:nvSpPr>
+        <p:spPr/>
+        <p:txBody>
+          <a:bodyPr/>
+          <a:lstStyle/>
+          <a:p>
+            <a:pPr marL="0" indent="0">
+              <a:buNone/>
+            </a:pPr>
+            <a:r>
+              <a:rPr kumimoji="1" lang="en-US" altLang="zh-CN" dirty="0" smtClean="0"/>
+              <a:t>          Type:    Non-Profit</a:t>
+            </a:r>
+          </a:p>
+          <a:p>
+            <a:pPr marL="0" indent="0">
+              <a:buNone/>
+            </a:pPr>
+            <a:r>
+              <a:rPr kumimoji="1" lang="en-US" altLang="zh-CN" dirty="0"/>
+              <a:t> </a:t>
+            </a:r>
+            <a:r>
+              <a:rPr kumimoji="1" lang="en-US" altLang="zh-CN" dirty="0" smtClean="0"/>
+              <a:t>   Funding:    </a:t>
+            </a:r>
+            <a:r>
+              <a:rPr kumimoji="1" lang="zh-CN" altLang="en-US" sz="2400" dirty="0" smtClean="0"/>
+              <a:t>政府，</a:t>
+            </a:r>
+            <a:r>
+              <a:rPr kumimoji="1" lang="en-US" altLang="zh-CN" sz="2400" dirty="0" smtClean="0"/>
+              <a:t> </a:t>
+            </a:r>
+            <a:r>
+              <a:rPr kumimoji="1" lang="zh-CN" altLang="en-US" sz="2400" dirty="0" smtClean="0"/>
+              <a:t>企业，</a:t>
+            </a:r>
+            <a:r>
+              <a:rPr kumimoji="1" lang="en-US" altLang="zh-CN" sz="2400" dirty="0" smtClean="0"/>
+              <a:t> </a:t>
+            </a:r>
+            <a:r>
+              <a:rPr kumimoji="1" lang="zh-CN" altLang="en-US" sz="2400" dirty="0" smtClean="0"/>
+              <a:t>社会</a:t>
+            </a:r>
+            <a:endParaRPr kumimoji="1" lang="en-US" altLang="zh-CN" sz="2400" dirty="0"/>
+          </a:p>
+          <a:p>
+            <a:pPr marL="0" indent="0">
+              <a:buNone/>
+            </a:pPr>
+            <a:r>
+              <a:rPr kumimoji="1" lang="en-US" altLang="zh-CN" dirty="0" smtClean="0"/>
+              <a:t>          R&amp;D:    </a:t>
+            </a:r>
+            <a:r>
+              <a:rPr kumimoji="1" lang="zh-CN" altLang="en-US" sz="2400" dirty="0" smtClean="0"/>
+              <a:t>大学等研究机构</a:t>
+            </a:r>
+            <a:endParaRPr kumimoji="1" lang="en-US" altLang="zh-CN" sz="2400" dirty="0" smtClean="0"/>
+          </a:p>
+          <a:p>
+            <a:pPr marL="0" indent="0">
+              <a:buNone/>
+            </a:pPr>
+            <a:r>
+              <a:rPr kumimoji="1" lang="en-US" altLang="zh-CN" dirty="0" smtClean="0"/>
+              <a:t>      People:    </a:t>
+            </a:r>
+            <a:r>
+              <a:rPr kumimoji="1" lang="zh-CN" altLang="en-US" sz="2400" dirty="0" smtClean="0"/>
+              <a:t>技术，设计，市场，</a:t>
+            </a:r>
+            <a:r>
+              <a:rPr kumimoji="1" lang="en-US" altLang="zh-CN" sz="2400" dirty="0" smtClean="0"/>
+              <a:t> </a:t>
+            </a:r>
+            <a:r>
+              <a:rPr kumimoji="1" lang="zh-CN" altLang="en-US" sz="2400" dirty="0" smtClean="0"/>
+              <a:t>财务</a:t>
+            </a:r>
+            <a:endParaRPr kumimoji="1" lang="en-US" altLang="zh-CN" sz="2400" dirty="0" smtClean="0"/>
+          </a:p>
+          <a:p>
+            <a:pPr marL="0" indent="0">
+              <a:buNone/>
+            </a:pPr>
+            <a:r>
+              <a:rPr kumimoji="1" lang="en-US" altLang="zh-CN" dirty="0" smtClean="0"/>
+              <a:t>Marketing:    </a:t>
+            </a:r>
+            <a:r>
+              <a:rPr kumimoji="1" lang="zh-CN" altLang="en-US" sz="2400" dirty="0" smtClean="0"/>
+              <a:t>国家政策与公立教育体系</a:t>
+            </a:r>
+            <a:endParaRPr kumimoji="1" lang="en-US" altLang="zh-CN" sz="2400" dirty="0" smtClean="0"/>
+          </a:p>
+          <a:p>
+            <a:pPr marL="0" indent="0">
+              <a:buNone/>
+            </a:pPr>
+            <a:r>
+              <a:rPr kumimoji="1" lang="en-US" altLang="zh-CN" sz="2400" dirty="0"/>
+              <a:t> </a:t>
+            </a:r>
+            <a:r>
+              <a:rPr kumimoji="1" lang="en-US" altLang="zh-CN" sz="2400" dirty="0" smtClean="0"/>
+              <a:t>                               </a:t>
+            </a:r>
+            <a:endParaRPr kumimoji="1" lang="zh-CN" altLang="en-US" sz="2400" dirty="0"/>
+          </a:p>
+        </p:txBody>
+      </p:sp>
+      <p:pic>
+        <p:nvPicPr>
+          <p:cNvPr id="4" name="图片 3"/>
+          <p:cNvPicPr>
+            <a:picLocks noChangeAspect="1"/>
+          </p:cNvPicPr>
+          <p:nvPr/>
+        </p:nvPicPr>
+        <p:blipFill>
+          <a:blip r:embed="rId3"/>
+          <a:stretch>
+            <a:fillRect/>
+          </a:stretch>
+        </p:blipFill>
+        <p:spPr>
+          <a:xfrm>
+            <a:off x="5461001" y="425450"/>
+            <a:ext cx="3799847" cy="2851150"/>
+          </a:xfrm>
+          <a:prstGeom prst="rect">
+            <a:avLst/>
+          </a:prstGeom>
+        </p:spPr>
+      </p:pic>
+    </p:spTree>
+    <p:extLst>
+      <p:ext uri="{BB962C8B-B14F-4D97-AF65-F5344CB8AC3E}">
+        <p14:creationId xmlns:p14="http://schemas.microsoft.com/office/powerpoint/2010/main" val="2956075461"/>
+      </p:ext>
+    </p:extLst>
+  </p:cSld>
+  <p:clrMapOvr>
+    <a:masterClrMapping/>
+  </p:clrMapOvr>
+  <p:timing>
+    <p:tnLst>
+      <p:par>
+        <p:cTn xmlns:p14="http://schemas.microsoft.com/office/powerpoint/2010/main" id="1" dur="indefinite" restart="never" nodeType="tmRoot"/>
+      </p:par>
+    </p:tnLst>
+  </p:timing>
+</p:sld>
+</file>
+
+<file path=ppt/slides/slide6.xml><?xml version="1.0" encoding="utf-8"?>
+<p:sld xmlns:a="http://schemas.openxmlformats.org/drawingml/2006/main" xmlns:r="http://schemas.openxmlformats.org/officeDocument/2006/relationships" xmlns:p="http://schemas.openxmlformats.org/presentationml/2006/main">
+  <p:cSld>
+    <p:spTree>
+      <p:nvGrpSpPr>
+        <p:cNvPr id="1" name=""/>
+        <p:cNvGrpSpPr/>
+        <p:nvPr/>
+      </p:nvGrpSpPr>
+      <p:grpSpPr>
+        <a:xfrm>
+          <a:off x="0" y="0"/>
+          <a:ext cx="0" cy="0"/>
+          <a:chOff x="0" y="0"/>
+          <a:chExt cx="0" cy="0"/>
+        </a:xfrm>
+      </p:grpSpPr>
+      <p:sp>
+        <p:nvSpPr>
+          <p:cNvPr id="2" name="标题 1"/>
+          <p:cNvSpPr>
+            <a:spLocks noGrp="1"/>
+          </p:cNvSpPr>
+          <p:nvPr>
+            <p:ph type="title"/>
+          </p:nvPr>
+        </p:nvSpPr>
+        <p:spPr/>
+        <p:txBody>
+          <a:bodyPr/>
+          <a:lstStyle/>
+          <a:p>
+            <a:r>
+              <a:rPr kumimoji="1" lang="en-US" altLang="zh-CN" dirty="0" smtClean="0"/>
+              <a:t>Advantage</a:t>
+            </a:r>
+            <a:endParaRPr kumimoji="1" lang="zh-CN" altLang="en-US" dirty="0"/>
+          </a:p>
+        </p:txBody>
+      </p:sp>
+      <p:sp>
+        <p:nvSpPr>
+          <p:cNvPr id="3" name="内容占位符 2"/>
+          <p:cNvSpPr>
+            <a:spLocks noGrp="1"/>
+          </p:cNvSpPr>
+          <p:nvPr>
+            <p:ph idx="1"/>
+          </p:nvPr>
+        </p:nvSpPr>
+        <p:spPr/>
+        <p:txBody>
+          <a:bodyPr/>
+          <a:lstStyle/>
+          <a:p>
+            <a:endParaRPr kumimoji="1" lang="zh-CN" altLang="en-US"/>
+          </a:p>
+        </p:txBody>
+      </p:sp>
+    </p:spTree>
+    <p:extLst>
+      <p:ext uri="{BB962C8B-B14F-4D97-AF65-F5344CB8AC3E}">
+        <p14:creationId xmlns:p14="http://schemas.microsoft.com/office/powerpoint/2010/main" val="4038428838"/>
+      </p:ext>
+    </p:extLst>
+  </p:cSld>
+  <p:clrMapOvr>
+    <a:masterClrMapping/>
+  </p:clrMapOvr>
+  <p:timing>
+    <p:tnLst>
+      <p:par>
+        <p:cTn xmlns:p14="http://schemas.microsoft.com/office/powerpoint/2010/main" id="1" dur="indefinite" restart="never" nodeType="tmRoot"/>
+      </p:par>
+    </p:tnLst>
+  </p:timing>
+</p:sld>
+</file>
+
+<file path=ppt/slides/slide7.xml><?xml version="1.0" encoding="utf-8"?>
+<p:sld xmlns:a="http://schemas.openxmlformats.org/drawingml/2006/main" xmlns:r="http://schemas.openxmlformats.org/officeDocument/2006/relationships" xmlns:p="http://schemas.openxmlformats.org/presentationml/2006/main">
+  <p:cSld>
+    <p:spTree>
+      <p:nvGrpSpPr>
+        <p:cNvPr id="1" name=""/>
+        <p:cNvGrpSpPr/>
+        <p:nvPr/>
+      </p:nvGrpSpPr>
+      <p:grpSpPr>
+        <a:xfrm>
+          <a:off x="0" y="0"/>
+          <a:ext cx="0" cy="0"/>
+          <a:chOff x="0" y="0"/>
+          <a:chExt cx="0" cy="0"/>
+        </a:xfrm>
+      </p:grpSpPr>
+      <p:sp>
+        <p:nvSpPr>
+          <p:cNvPr id="2" name="标题 1"/>
+          <p:cNvSpPr>
+            <a:spLocks noGrp="1"/>
+          </p:cNvSpPr>
+          <p:nvPr>
+            <p:ph type="title"/>
+          </p:nvPr>
+        </p:nvSpPr>
+        <p:spPr/>
+        <p:txBody>
+          <a:bodyPr/>
+          <a:lstStyle/>
+          <a:p>
+            <a:r>
+              <a:rPr kumimoji="1" lang="en-US" altLang="zh-CN" dirty="0" smtClean="0"/>
+              <a:t>Ideal future of </a:t>
+            </a:r>
+            <a:r>
+              <a:rPr kumimoji="1" lang="en-US" altLang="zh-CN" dirty="0" err="1" smtClean="0"/>
+              <a:t>english</a:t>
+            </a:r>
+            <a:r>
+              <a:rPr kumimoji="1" lang="en-US" altLang="zh-CN" dirty="0" smtClean="0"/>
+              <a:t> education </a:t>
+            </a:r>
+            <a:endParaRPr kumimoji="1" lang="zh-CN" altLang="en-US" dirty="0"/>
+          </a:p>
+        </p:txBody>
+      </p:sp>
+      <p:sp>
+        <p:nvSpPr>
+          <p:cNvPr id="3" name="内容占位符 2"/>
+          <p:cNvSpPr>
+            <a:spLocks noGrp="1"/>
+          </p:cNvSpPr>
+          <p:nvPr>
+            <p:ph idx="1"/>
+          </p:nvPr>
+        </p:nvSpPr>
+        <p:spPr/>
+        <p:txBody>
+          <a:bodyPr/>
+          <a:lstStyle/>
+          <a:p>
+            <a:endParaRPr kumimoji="1" lang="zh-CN" altLang="en-US"/>
+          </a:p>
+        </p:txBody>
+      </p:sp>
+    </p:spTree>
+    <p:extLst>
+      <p:ext uri="{BB962C8B-B14F-4D97-AF65-F5344CB8AC3E}">
+        <p14:creationId xmlns:p14="http://schemas.microsoft.com/office/powerpoint/2010/main" val="1129357930"/>
+      </p:ext>
+    </p:extLst>
+  </p:cSld>
+  <p:clrMapOvr>
+    <a:masterClrMapping/>
+  </p:clrMapOvr>
+  <p:timing>
+    <p:tnLst>
+      <p:par>
+        <p:cTn xmlns:p14="http://schemas.microsoft.com/office/powerpoint/2010/main" id="1" dur="indefinite" restart="never" nodeType="tmRoot"/>
+      </p:par>
+    </p:tnLst>
+  </p:timing>
 </p:sld>
 </file>
 
@@ -3464,4 +5397,324 @@
   </a:objectDefaults>
   <a:extraClrSchemeLst/>
 </a:theme>
+</file>
+
+<file path=ppt/theme/theme2.xml><?xml version="1.0" encoding="utf-8"?>
+<a:theme xmlns:a="http://schemas.openxmlformats.org/drawingml/2006/main" name="Office 主题">
+  <a:themeElements>
+    <a:clrScheme name="办公室">
+      <a:dk1>
+        <a:sysClr val="windowText" lastClr="000000"/>
+      </a:dk1>
+      <a:lt1>
+        <a:sysClr val="window" lastClr="FFFFFF"/>
+      </a:lt1>
+      <a:dk2>
+        <a:srgbClr val="1F497D"/>
+      </a:dk2>
+      <a:lt2>
+        <a:srgbClr val="EEECE1"/>
+      </a:lt2>
+      <a:accent1>
+        <a:srgbClr val="4F81BD"/>
+      </a:accent1>
+      <a:accent2>
+        <a:srgbClr val="C0504D"/>
+      </a:accent2>
+      <a:accent3>
+        <a:srgbClr val="9BBB59"/>
+      </a:accent3>
+      <a:accent4>
+        <a:srgbClr val="8064A2"/>
+      </a:accent4>
+      <a:accent5>
+        <a:srgbClr val="4BACC6"/>
+      </a:accent5>
+      <a:accent6>
+        <a:srgbClr val="F79646"/>
+      </a:accent6>
+      <a:hlink>
+        <a:srgbClr val="0000FF"/>
+      </a:hlink>
+      <a:folHlink>
+        <a:srgbClr val="800080"/>
+      </a:folHlink>
+    </a:clrScheme>
+    <a:fontScheme name="办公室">
+      <a:majorFont>
+        <a:latin typeface="Calibri"/>
+        <a:ea typeface=""/>
+        <a:cs typeface=""/>
+        <a:font script="Jpan" typeface="ＭＳ Ｐゴシック"/>
+        <a:font script="Hang" typeface="맑은 고딕"/>
+        <a:font script="Hans" typeface="宋体"/>
+        <a:font script="Hant" typeface="新細明體"/>
+        <a:font script="Arab" typeface="Times New Roman"/>
+        <a:font script="Hebr" typeface="Times New Roman"/>
+        <a:font script="Thai" typeface="Angsana New"/>
+        <a:font script="Ethi" typeface="Nyala"/>
+        <a:font script="Beng" typeface="Vrinda"/>
+        <a:font script="Gujr" typeface="Shruti"/>
+        <a:font script="Khmr" typeface="MoolBoran"/>
+        <a:font script="Knda" typeface="Tunga"/>
+        <a:font script="Guru" typeface="Raavi"/>
+        <a:font script="Cans" typeface="Euphemia"/>
+        <a:font script="Cher" typeface="Plantagenet Cherokee"/>
+        <a:font script="Yiii" typeface="Microsoft Yi Baiti"/>
+        <a:font script="Tibt" typeface="Microsoft Himalaya"/>
+        <a:font script="Thaa" typeface="MV Boli"/>
+        <a:font script="Deva" typeface="Mangal"/>
+        <a:font script="Telu" typeface="Gautami"/>
+        <a:font script="Taml" typeface="Latha"/>
+        <a:font script="Syrc" typeface="Estrangelo Edessa"/>
+        <a:font script="Orya" typeface="Kalinga"/>
+        <a:font script="Mlym" typeface="Kartika"/>
+        <a:font script="Laoo" typeface="DokChampa"/>
+        <a:font script="Sinh" typeface="Iskoola Pota"/>
+        <a:font script="Mong" typeface="Mongolian Baiti"/>
+        <a:font script="Viet" typeface="Times New Roman"/>
+        <a:font script="Uigh" typeface="Microsoft Uighur"/>
+        <a:font script="Geor" typeface="Sylfaen"/>
+      </a:majorFont>
+      <a:minorFont>
+        <a:latin typeface="Calibri"/>
+        <a:ea typeface=""/>
+        <a:cs typeface=""/>
+        <a:font script="Jpan" typeface="ＭＳ Ｐゴシック"/>
+        <a:font script="Hang" typeface="맑은 고딕"/>
+        <a:font script="Hans" typeface="宋体"/>
+        <a:font script="Hant" typeface="新細明體"/>
+        <a:font script="Arab" typeface="Arial"/>
+        <a:font script="Hebr" typeface="Arial"/>
+        <a:font script="Thai" typeface="Cordia New"/>
+        <a:font script="Ethi" typeface="Nyala"/>
+        <a:font script="Beng" typeface="Vrinda"/>
+        <a:font script="Gujr" typeface="Shruti"/>
+        <a:font script="Khmr" typeface="DaunPenh"/>
+        <a:font script="Knda" typeface="Tunga"/>
+        <a:font script="Guru" typeface="Raavi"/>
+        <a:font script="Cans" typeface="Euphemia"/>
+        <a:font script="Cher" typeface="Plantagenet Cherokee"/>
+        <a:font script="Yiii" typeface="Microsoft Yi Baiti"/>
+        <a:font script="Tibt" typeface="Microsoft Himalaya"/>
+        <a:font script="Thaa" typeface="MV Boli"/>
+        <a:font script="Deva" typeface="Mangal"/>
+        <a:font script="Telu" typeface="Gautami"/>
+        <a:font script="Taml" typeface="Latha"/>
+        <a:font script="Syrc" typeface="Estrangelo Edessa"/>
+        <a:font script="Orya" typeface="Kalinga"/>
+        <a:font script="Mlym" typeface="Kartika"/>
+        <a:font script="Laoo" typeface="DokChampa"/>
+        <a:font script="Sinh" typeface="Iskoola Pota"/>
+        <a:font script="Mong" typeface="Mongolian Baiti"/>
+        <a:font script="Viet" typeface="Arial"/>
+        <a:font script="Uigh" typeface="Microsoft Uighur"/>
+        <a:font script="Geor" typeface="Sylfaen"/>
+      </a:minorFont>
+    </a:fontScheme>
+    <a:fmtScheme name="办公室">
+      <a:fillStyleLst>
+        <a:solidFill>
+          <a:schemeClr val="phClr"/>
+        </a:solidFill>
+        <a:gradFill rotWithShape="1">
+          <a:gsLst>
+            <a:gs pos="0">
+              <a:schemeClr val="phClr">
+                <a:tint val="50000"/>
+                <a:satMod val="300000"/>
+              </a:schemeClr>
+            </a:gs>
+            <a:gs pos="35000">
+              <a:schemeClr val="phClr">
+                <a:tint val="37000"/>
+                <a:satMod val="300000"/>
+              </a:schemeClr>
+            </a:gs>
+            <a:gs pos="100000">
+              <a:schemeClr val="phClr">
+                <a:tint val="15000"/>
+                <a:satMod val="350000"/>
+              </a:schemeClr>
+            </a:gs>
+          </a:gsLst>
+          <a:lin ang="16200000" scaled="1"/>
+        </a:gradFill>
+        <a:gradFill rotWithShape="1">
+          <a:gsLst>
+            <a:gs pos="0">
+              <a:schemeClr val="phClr">
+                <a:tint val="100000"/>
+                <a:shade val="100000"/>
+                <a:satMod val="130000"/>
+              </a:schemeClr>
+            </a:gs>
+            <a:gs pos="100000">
+              <a:schemeClr val="phClr">
+                <a:tint val="50000"/>
+                <a:shade val="100000"/>
+                <a:satMod val="350000"/>
+              </a:schemeClr>
+            </a:gs>
+          </a:gsLst>
+          <a:lin ang="16200000" scaled="0"/>
+        </a:gradFill>
+      </a:fillStyleLst>
+      <a:lnStyleLst>
+        <a:ln w="9525" cap="flat" cmpd="sng" algn="ctr">
+          <a:solidFill>
+            <a:schemeClr val="phClr">
+              <a:shade val="95000"/>
+              <a:satMod val="105000"/>
+            </a:schemeClr>
+          </a:solidFill>
+          <a:prstDash val="solid"/>
+        </a:ln>
+        <a:ln w="25400" cap="flat" cmpd="sng" algn="ctr">
+          <a:solidFill>
+            <a:schemeClr val="phClr"/>
+          </a:solidFill>
+          <a:prstDash val="solid"/>
+        </a:ln>
+        <a:ln w="38100" cap="flat" cmpd="sng" algn="ctr">
+          <a:solidFill>
+            <a:schemeClr val="phClr"/>
+          </a:solidFill>
+          <a:prstDash val="solid"/>
+        </a:ln>
+      </a:lnStyleLst>
+      <a:effectStyleLst>
+        <a:effectStyle>
+          <a:effectLst>
+            <a:outerShdw blurRad="40000" dist="20000" dir="5400000" rotWithShape="0">
+              <a:srgbClr val="000000">
+                <a:alpha val="38000"/>
+              </a:srgbClr>
+            </a:outerShdw>
+          </a:effectLst>
+        </a:effectStyle>
+        <a:effectStyle>
+          <a:effectLst>
+            <a:outerShdw blurRad="40000" dist="23000" dir="5400000" rotWithShape="0">
+              <a:srgbClr val="000000">
+                <a:alpha val="35000"/>
+              </a:srgbClr>
+            </a:outerShdw>
+          </a:effectLst>
+        </a:effectStyle>
+        <a:effectStyle>
+          <a:effectLst>
+            <a:outerShdw blurRad="40000" dist="23000" dir="5400000" rotWithShape="0">
+              <a:srgbClr val="000000">
+                <a:alpha val="35000"/>
+              </a:srgbClr>
+            </a:outerShdw>
+          </a:effectLst>
+          <a:scene3d>
+            <a:camera prst="orthographicFront">
+              <a:rot lat="0" lon="0" rev="0"/>
+            </a:camera>
+            <a:lightRig rig="threePt" dir="t">
+              <a:rot lat="0" lon="0" rev="1200000"/>
+            </a:lightRig>
+          </a:scene3d>
+          <a:sp3d>
+            <a:bevelT w="63500" h="25400"/>
+          </a:sp3d>
+        </a:effectStyle>
+      </a:effectStyleLst>
+      <a:bgFillStyleLst>
+        <a:solidFill>
+          <a:schemeClr val="phClr"/>
+        </a:solidFill>
+        <a:gradFill rotWithShape="1">
+          <a:gsLst>
+            <a:gs pos="0">
+              <a:schemeClr val="phClr">
+                <a:tint val="40000"/>
+                <a:satMod val="350000"/>
+              </a:schemeClr>
+            </a:gs>
+            <a:gs pos="40000">
+              <a:schemeClr val="phClr">
+                <a:tint val="45000"/>
+                <a:shade val="99000"/>
+                <a:satMod val="350000"/>
+              </a:schemeClr>
+            </a:gs>
+            <a:gs pos="100000">
+              <a:schemeClr val="phClr">
+                <a:shade val="20000"/>
+                <a:satMod val="255000"/>
+              </a:schemeClr>
+            </a:gs>
+          </a:gsLst>
+          <a:path path="circle">
+            <a:fillToRect l="50000" t="-80000" r="50000" b="180000"/>
+          </a:path>
+        </a:gradFill>
+        <a:gradFill rotWithShape="1">
+          <a:gsLst>
+            <a:gs pos="0">
+              <a:schemeClr val="phClr">
+                <a:tint val="80000"/>
+                <a:satMod val="300000"/>
+              </a:schemeClr>
+            </a:gs>
+            <a:gs pos="100000">
+              <a:schemeClr val="phClr">
+                <a:shade val="30000"/>
+                <a:satMod val="200000"/>
+              </a:schemeClr>
+            </a:gs>
+          </a:gsLst>
+          <a:path path="circle">
+            <a:fillToRect l="50000" t="50000" r="50000" b="50000"/>
+          </a:path>
+        </a:gradFill>
+      </a:bgFillStyleLst>
+    </a:fmtScheme>
+  </a:themeElements>
+  <a:objectDefaults>
+    <a:spDef>
+      <a:spPr/>
+      <a:bodyPr/>
+      <a:lstStyle/>
+      <a:style>
+        <a:lnRef idx="1">
+          <a:schemeClr val="accent1"/>
+        </a:lnRef>
+        <a:fillRef idx="3">
+          <a:schemeClr val="accent1"/>
+        </a:fillRef>
+        <a:effectRef idx="2">
+          <a:schemeClr val="accent1"/>
+        </a:effectRef>
+        <a:fontRef idx="minor">
+          <a:schemeClr val="lt1"/>
+        </a:fontRef>
+      </a:style>
+    </a:spDef>
+    <a:lnDef>
+      <a:spPr/>
+      <a:bodyPr/>
+      <a:lstStyle/>
+      <a:style>
+        <a:lnRef idx="2">
+          <a:schemeClr val="accent1"/>
+        </a:lnRef>
+        <a:fillRef idx="0">
+          <a:schemeClr val="accent1"/>
+        </a:fillRef>
+        <a:effectRef idx="1">
+          <a:schemeClr val="accent1"/>
+        </a:effectRef>
+        <a:fontRef idx="minor">
+          <a:schemeClr val="tx1"/>
+        </a:fontRef>
+      </a:style>
+    </a:lnDef>
+  </a:objectDefaults>
+  <a:extraClrSchemeLst/>
+</a:theme>
 </file>